--- a/presentation/Presentation.pptx
+++ b/presentation/Presentation.pptx
@@ -5,19 +5,20 @@
     <p:sldMasterId id="2147483736" r:id="rId1"/>
   </p:sldMasterIdLst>
   <p:notesMasterIdLst>
-    <p:notesMasterId r:id="rId12"/>
+    <p:notesMasterId r:id="rId13"/>
   </p:notesMasterIdLst>
   <p:sldIdLst>
     <p:sldId id="256" r:id="rId2"/>
     <p:sldId id="257" r:id="rId3"/>
     <p:sldId id="258" r:id="rId4"/>
     <p:sldId id="259" r:id="rId5"/>
-    <p:sldId id="260" r:id="rId6"/>
+    <p:sldId id="267" r:id="rId6"/>
     <p:sldId id="261" r:id="rId7"/>
     <p:sldId id="262" r:id="rId8"/>
-    <p:sldId id="263" r:id="rId9"/>
-    <p:sldId id="264" r:id="rId10"/>
+    <p:sldId id="266" r:id="rId9"/>
+    <p:sldId id="263" r:id="rId10"/>
     <p:sldId id="265" r:id="rId11"/>
+    <p:sldId id="260" r:id="rId12"/>
   </p:sldIdLst>
   <p:sldSz cx="9144000" cy="6858000" type="screen4x3"/>
   <p:notesSz cx="6858000" cy="9144000"/>
@@ -3787,6 +3788,149 @@
 </p:sld>
 </file>
 
+<file path=ppt/slides/slide11.xml><?xml version="1.0" encoding="utf-8"?>
+<p:sld xmlns:a="http://schemas.openxmlformats.org/drawingml/2006/main" xmlns:r="http://schemas.openxmlformats.org/officeDocument/2006/relationships" xmlns:p="http://schemas.openxmlformats.org/presentationml/2006/main">
+  <p:cSld>
+    <p:spTree>
+      <p:nvGrpSpPr>
+        <p:cNvPr id="1" name=""/>
+        <p:cNvGrpSpPr/>
+        <p:nvPr/>
+      </p:nvGrpSpPr>
+      <p:grpSpPr>
+        <a:xfrm>
+          <a:off x="0" y="0"/>
+          <a:ext cx="0" cy="0"/>
+          <a:chOff x="0" y="0"/>
+          <a:chExt cx="0" cy="0"/>
+        </a:xfrm>
+      </p:grpSpPr>
+      <p:sp>
+        <p:nvSpPr>
+          <p:cNvPr id="2" name="Title 1"/>
+          <p:cNvSpPr>
+            <a:spLocks noGrp="1"/>
+          </p:cNvSpPr>
+          <p:nvPr>
+            <p:ph type="title"/>
+          </p:nvPr>
+        </p:nvSpPr>
+        <p:spPr/>
+        <p:txBody>
+          <a:bodyPr/>
+          <a:lstStyle/>
+          <a:p>
+            <a:r>
+              <a:rPr lang="en-US" dirty="0" smtClean="0"/>
+              <a:t>Matrix Factorization</a:t>
+            </a:r>
+            <a:endParaRPr lang="en-US" dirty="0"/>
+          </a:p>
+        </p:txBody>
+      </p:sp>
+      <p:pic>
+        <p:nvPicPr>
+          <p:cNvPr id="4" name="Picture 3" descr="eq1.png"/>
+          <p:cNvPicPr>
+            <a:picLocks noChangeAspect="1"/>
+          </p:cNvPicPr>
+          <p:nvPr/>
+        </p:nvPicPr>
+        <p:blipFill>
+          <a:blip r:embed="rId2">
+            <a:extLst>
+              <a:ext uri="{28A0092B-C50C-407E-A947-70E740481C1C}">
+                <a14:useLocalDpi xmlns:a14="http://schemas.microsoft.com/office/drawing/2010/main" val="0"/>
+              </a:ext>
+            </a:extLst>
+          </a:blip>
+          <a:stretch>
+            <a:fillRect/>
+          </a:stretch>
+        </p:blipFill>
+        <p:spPr>
+          <a:xfrm>
+            <a:off x="1253737" y="1929858"/>
+            <a:ext cx="5478511" cy="1069168"/>
+          </a:xfrm>
+          <a:prstGeom prst="rect">
+            <a:avLst/>
+          </a:prstGeom>
+        </p:spPr>
+      </p:pic>
+      <p:pic>
+        <p:nvPicPr>
+          <p:cNvPr id="5" name="Picture 4" descr="eq2.png"/>
+          <p:cNvPicPr>
+            <a:picLocks noChangeAspect="1"/>
+          </p:cNvPicPr>
+          <p:nvPr/>
+        </p:nvPicPr>
+        <p:blipFill>
+          <a:blip r:embed="rId3">
+            <a:extLst>
+              <a:ext uri="{28A0092B-C50C-407E-A947-70E740481C1C}">
+                <a14:useLocalDpi xmlns:a14="http://schemas.microsoft.com/office/drawing/2010/main" val="0"/>
+              </a:ext>
+            </a:extLst>
+          </a:blip>
+          <a:stretch>
+            <a:fillRect/>
+          </a:stretch>
+        </p:blipFill>
+        <p:spPr>
+          <a:xfrm>
+            <a:off x="1256035" y="3514656"/>
+            <a:ext cx="5476213" cy="1084243"/>
+          </a:xfrm>
+          <a:prstGeom prst="rect">
+            <a:avLst/>
+          </a:prstGeom>
+        </p:spPr>
+      </p:pic>
+      <p:pic>
+        <p:nvPicPr>
+          <p:cNvPr id="6" name="Picture 5" descr="eq3.pdf"/>
+          <p:cNvPicPr>
+            <a:picLocks noChangeAspect="1"/>
+          </p:cNvPicPr>
+          <p:nvPr/>
+        </p:nvPicPr>
+        <p:blipFill>
+          <a:blip r:embed="rId4">
+            <a:extLst>
+              <a:ext uri="{28A0092B-C50C-407E-A947-70E740481C1C}">
+                <a14:useLocalDpi xmlns:a14="http://schemas.microsoft.com/office/drawing/2010/main" val="0"/>
+              </a:ext>
+            </a:extLst>
+          </a:blip>
+          <a:stretch>
+            <a:fillRect/>
+          </a:stretch>
+        </p:blipFill>
+        <p:spPr>
+          <a:xfrm>
+            <a:off x="627323" y="4985497"/>
+            <a:ext cx="7143865" cy="744424"/>
+          </a:xfrm>
+          <a:prstGeom prst="rect">
+            <a:avLst/>
+          </a:prstGeom>
+        </p:spPr>
+      </p:pic>
+    </p:spTree>
+    <p:extLst>
+      <p:ext uri="{BB962C8B-B14F-4D97-AF65-F5344CB8AC3E}">
+        <p14:creationId xmlns:p14="http://schemas.microsoft.com/office/powerpoint/2010/main" val="619983592"/>
+      </p:ext>
+    </p:extLst>
+  </p:cSld>
+  <p:clrMapOvr>
+    <a:masterClrMapping/>
+  </p:clrMapOvr>
+</p:sld>
+</file>
+
 <file path=ppt/slides/slide2.xml><?xml version="1.0" encoding="utf-8"?>
 <p:sld xmlns:a="http://schemas.openxmlformats.org/drawingml/2006/main" xmlns:r="http://schemas.openxmlformats.org/officeDocument/2006/relationships" xmlns:p="http://schemas.openxmlformats.org/presentationml/2006/main">
   <p:cSld>
@@ -3848,15 +3992,12 @@
               <a:rPr lang="en-US" sz="2800" dirty="0" smtClean="0"/>
               <a:t>Recommendation systems allow for users to discover things of interest, ideally with zero to little effort</a:t>
             </a:r>
-          </a:p>
-          <a:p>
-            <a:pPr lvl="1"/>
             <a:endParaRPr lang="en-US" sz="2600" dirty="0" smtClean="0"/>
           </a:p>
           <a:p>
             <a:r>
               <a:rPr lang="en-US" sz="2800" dirty="0" smtClean="0"/>
-              <a:t>We focus on collaborative filtering approaches without the need for metadata</a:t>
+              <a:t>We focused on collaborative filtering approaches without the need for metadata</a:t>
             </a:r>
             <a:endParaRPr lang="en-US" sz="2800" dirty="0"/>
           </a:p>
@@ -3874,12 +4015,9 @@
           <a:p>
             <a:r>
               <a:rPr lang="en-US" sz="2800" dirty="0" smtClean="0"/>
-              <a:t>We explore</a:t>
+              <a:t>We explored matrix factorization, and user and item based collaborative filtering against a popularity baseline</a:t>
             </a:r>
             <a:endParaRPr lang="en-US" sz="2600" dirty="0" smtClean="0"/>
-          </a:p>
-          <a:p>
-            <a:endParaRPr lang="en-US" sz="2800" dirty="0"/>
           </a:p>
         </p:txBody>
       </p:sp>
@@ -3893,6 +4031,13 @@
   <p:clrMapOvr>
     <a:masterClrMapping/>
   </p:clrMapOvr>
+  <p:timing>
+    <p:tnLst>
+      <p:par>
+        <p:cTn xmlns:p14="http://schemas.microsoft.com/office/powerpoint/2010/main" id="1" dur="indefinite" restart="never" nodeType="tmRoot"/>
+      </p:par>
+    </p:tnLst>
+  </p:timing>
 </p:sld>
 </file>
 
@@ -3946,15 +4091,77 @@
             <p:ph idx="1"/>
           </p:nvPr>
         </p:nvSpPr>
-        <p:spPr/>
-        <p:txBody>
-          <a:bodyPr/>
-          <a:lstStyle/>
-          <a:p>
-            <a:endParaRPr lang="en-US"/>
-          </a:p>
-        </p:txBody>
-      </p:sp>
+        <p:spPr>
+          <a:xfrm>
+            <a:off x="457200" y="1193365"/>
+            <a:ext cx="7620000" cy="1958335"/>
+          </a:xfrm>
+        </p:spPr>
+        <p:txBody>
+          <a:bodyPr>
+            <a:normAutofit/>
+          </a:bodyPr>
+          <a:lstStyle/>
+          <a:p>
+            <a:r>
+              <a:rPr lang="en-US" dirty="0"/>
+              <a:t>The sample data set had </a:t>
+            </a:r>
+            <a:r>
+              <a:rPr lang="en-US" dirty="0" smtClean="0"/>
+              <a:t>110,000 users and 163,206 songs</a:t>
+            </a:r>
+            <a:endParaRPr lang="en-US" dirty="0"/>
+          </a:p>
+          <a:p>
+            <a:r>
+              <a:rPr lang="en-US" dirty="0" smtClean="0"/>
+              <a:t>Subset the data to users with &gt; 27 songs played and songs with &gt; 22 users listening to them -&gt; 8,130 users and 11,861 songs (10% of orig.) </a:t>
+            </a:r>
+          </a:p>
+          <a:p>
+            <a:pPr lvl="1"/>
+            <a:r>
+              <a:rPr lang="en-US" dirty="0" err="1" smtClean="0"/>
+              <a:t>Sparsity</a:t>
+            </a:r>
+            <a:r>
+              <a:rPr lang="en-US" dirty="0" smtClean="0"/>
+              <a:t> was 0.16%</a:t>
+            </a:r>
+          </a:p>
+        </p:txBody>
+      </p:sp>
+      <p:pic>
+        <p:nvPicPr>
+          <p:cNvPr id="4" name="Picture 3" descr="cumsum-songs.png"/>
+          <p:cNvPicPr>
+            <a:picLocks noChangeAspect="1"/>
+          </p:cNvPicPr>
+          <p:nvPr/>
+        </p:nvPicPr>
+        <p:blipFill>
+          <a:blip r:embed="rId2">
+            <a:extLst>
+              <a:ext uri="{28A0092B-C50C-407E-A947-70E740481C1C}">
+                <a14:useLocalDpi xmlns:a14="http://schemas.microsoft.com/office/drawing/2010/main" val="0"/>
+              </a:ext>
+            </a:extLst>
+          </a:blip>
+          <a:stretch>
+            <a:fillRect/>
+          </a:stretch>
+        </p:blipFill>
+        <p:spPr>
+          <a:xfrm>
+            <a:off x="1836066" y="3059878"/>
+            <a:ext cx="4911483" cy="3683612"/>
+          </a:xfrm>
+          <a:prstGeom prst="rect">
+            <a:avLst/>
+          </a:prstGeom>
+        </p:spPr>
+      </p:pic>
     </p:spTree>
     <p:extLst>
       <p:ext uri="{BB962C8B-B14F-4D97-AF65-F5344CB8AC3E}">
@@ -3965,6 +4172,13 @@
   <p:clrMapOvr>
     <a:masterClrMapping/>
   </p:clrMapOvr>
+  <p:timing>
+    <p:tnLst>
+      <p:par>
+        <p:cTn xmlns:p14="http://schemas.microsoft.com/office/powerpoint/2010/main" id="1" dur="indefinite" restart="never" nodeType="tmRoot"/>
+      </p:par>
+    </p:tnLst>
+  </p:timing>
 </p:sld>
 </file>
 
@@ -4023,7 +4237,37 @@
           <a:bodyPr/>
           <a:lstStyle/>
           <a:p>
-            <a:endParaRPr lang="en-US"/>
+            <a:r>
+              <a:rPr lang="en-US" dirty="0" smtClean="0"/>
+              <a:t>Benchmarked our algorithms using a mean average precision score truncated at 500 recommendations</a:t>
+            </a:r>
+            <a:endParaRPr lang="en-US" dirty="0"/>
+          </a:p>
+          <a:p>
+            <a:r>
+              <a:rPr lang="en-US" dirty="0" smtClean="0"/>
+              <a:t>MAP@500 takes into account the first 500 recommendations given to each user and calculates the number of true positives against the total number of recommended songs at each position</a:t>
+            </a:r>
+          </a:p>
+          <a:p>
+            <a:r>
+              <a:rPr lang="en-US" dirty="0" smtClean="0"/>
+              <a:t>We used two baseline methods:</a:t>
+            </a:r>
+          </a:p>
+          <a:p>
+            <a:pPr lvl="1"/>
+            <a:r>
+              <a:rPr lang="en-US" dirty="0" smtClean="0"/>
+              <a:t>Recommend the 500 most popular songs  (MAP = 0.0138)</a:t>
+            </a:r>
+          </a:p>
+          <a:p>
+            <a:pPr lvl="1"/>
+            <a:r>
+              <a:rPr lang="en-US" dirty="0" smtClean="0"/>
+              <a:t>Most popular songs from the artists that the user had already listened to (MAP = 0.0448)</a:t>
+            </a:r>
           </a:p>
         </p:txBody>
       </p:sp>
@@ -4037,6 +4281,13 @@
   <p:clrMapOvr>
     <a:masterClrMapping/>
   </p:clrMapOvr>
+  <p:timing>
+    <p:tnLst>
+      <p:par>
+        <p:cTn xmlns:p14="http://schemas.microsoft.com/office/powerpoint/2010/main" id="1" dur="indefinite" restart="never" nodeType="tmRoot"/>
+      </p:par>
+    </p:tnLst>
+  </p:timing>
 </p:sld>
 </file>
 
@@ -4102,7 +4353,7 @@
     </p:spTree>
     <p:extLst>
       <p:ext uri="{BB962C8B-B14F-4D97-AF65-F5344CB8AC3E}">
-        <p14:creationId xmlns:p14="http://schemas.microsoft.com/office/powerpoint/2010/main" val="619983592"/>
+        <p14:creationId xmlns:p14="http://schemas.microsoft.com/office/powerpoint/2010/main" val="3114642789"/>
       </p:ext>
     </p:extLst>
   </p:cSld>
@@ -4152,25 +4403,36 @@
           </a:p>
         </p:txBody>
       </p:sp>
-      <p:sp>
-        <p:nvSpPr>
-          <p:cNvPr id="3" name="Content Placeholder 2"/>
-          <p:cNvSpPr>
-            <a:spLocks noGrp="1"/>
-          </p:cNvSpPr>
-          <p:nvPr>
-            <p:ph idx="1"/>
-          </p:nvPr>
-        </p:nvSpPr>
-        <p:spPr/>
-        <p:txBody>
-          <a:bodyPr/>
-          <a:lstStyle/>
-          <a:p>
-            <a:endParaRPr lang="en-US"/>
-          </a:p>
-        </p:txBody>
-      </p:sp>
+      <p:pic>
+        <p:nvPicPr>
+          <p:cNvPr id="4" name="Picture 3" descr="defaultPMF.png"/>
+          <p:cNvPicPr>
+            <a:picLocks noChangeAspect="1"/>
+          </p:cNvPicPr>
+          <p:nvPr/>
+        </p:nvPicPr>
+        <p:blipFill>
+          <a:blip r:embed="rId2">
+            <a:extLst>
+              <a:ext uri="{28A0092B-C50C-407E-A947-70E740481C1C}">
+                <a14:useLocalDpi xmlns:a14="http://schemas.microsoft.com/office/drawing/2010/main" val="0"/>
+              </a:ext>
+            </a:extLst>
+          </a:blip>
+          <a:stretch>
+            <a:fillRect/>
+          </a:stretch>
+        </p:blipFill>
+        <p:spPr>
+          <a:xfrm>
+            <a:off x="168306" y="1806633"/>
+            <a:ext cx="8033343" cy="3792983"/>
+          </a:xfrm>
+          <a:prstGeom prst="rect">
+            <a:avLst/>
+          </a:prstGeom>
+        </p:spPr>
+      </p:pic>
     </p:spTree>
     <p:extLst>
       <p:ext uri="{BB962C8B-B14F-4D97-AF65-F5344CB8AC3E}">
@@ -4224,25 +4486,36 @@
           </a:p>
         </p:txBody>
       </p:sp>
-      <p:sp>
-        <p:nvSpPr>
-          <p:cNvPr id="3" name="Content Placeholder 2"/>
-          <p:cNvSpPr>
-            <a:spLocks noGrp="1"/>
-          </p:cNvSpPr>
-          <p:nvPr>
-            <p:ph idx="1"/>
-          </p:nvPr>
-        </p:nvSpPr>
-        <p:spPr/>
-        <p:txBody>
-          <a:bodyPr/>
-          <a:lstStyle/>
-          <a:p>
-            <a:endParaRPr lang="en-US"/>
-          </a:p>
-        </p:txBody>
-      </p:sp>
+      <p:pic>
+        <p:nvPicPr>
+          <p:cNvPr id="4" name="Picture 3" descr="PMF.png"/>
+          <p:cNvPicPr>
+            <a:picLocks noChangeAspect="1"/>
+          </p:cNvPicPr>
+          <p:nvPr/>
+        </p:nvPicPr>
+        <p:blipFill>
+          <a:blip r:embed="rId2">
+            <a:extLst>
+              <a:ext uri="{28A0092B-C50C-407E-A947-70E740481C1C}">
+                <a14:useLocalDpi xmlns:a14="http://schemas.microsoft.com/office/drawing/2010/main" val="0"/>
+              </a:ext>
+            </a:extLst>
+          </a:blip>
+          <a:stretch>
+            <a:fillRect/>
+          </a:stretch>
+        </p:blipFill>
+        <p:spPr>
+          <a:xfrm>
+            <a:off x="839705" y="1417638"/>
+            <a:ext cx="6793356" cy="4351377"/>
+          </a:xfrm>
+          <a:prstGeom prst="rect">
+            <a:avLst/>
+          </a:prstGeom>
+        </p:spPr>
+      </p:pic>
     </p:spTree>
     <p:extLst>
       <p:ext uri="{BB962C8B-B14F-4D97-AF65-F5344CB8AC3E}">
@@ -4273,6 +4546,66 @@
           <a:chExt cx="0" cy="0"/>
         </a:xfrm>
       </p:grpSpPr>
+      <p:pic>
+        <p:nvPicPr>
+          <p:cNvPr id="6" name="Picture 5" descr="itembasedeq2.png"/>
+          <p:cNvPicPr>
+            <a:picLocks noChangeAspect="1"/>
+          </p:cNvPicPr>
+          <p:nvPr/>
+        </p:nvPicPr>
+        <p:blipFill>
+          <a:blip r:embed="rId2">
+            <a:extLst>
+              <a:ext uri="{28A0092B-C50C-407E-A947-70E740481C1C}">
+                <a14:useLocalDpi xmlns:a14="http://schemas.microsoft.com/office/drawing/2010/main" val="0"/>
+              </a:ext>
+            </a:extLst>
+          </a:blip>
+          <a:stretch>
+            <a:fillRect/>
+          </a:stretch>
+        </p:blipFill>
+        <p:spPr>
+          <a:xfrm>
+            <a:off x="2421934" y="3849243"/>
+            <a:ext cx="3101579" cy="855608"/>
+          </a:xfrm>
+          <a:prstGeom prst="rect">
+            <a:avLst/>
+          </a:prstGeom>
+        </p:spPr>
+      </p:pic>
+      <p:pic>
+        <p:nvPicPr>
+          <p:cNvPr id="5" name="Picture 4" descr="itembasedeq1.png"/>
+          <p:cNvPicPr>
+            <a:picLocks noChangeAspect="1"/>
+          </p:cNvPicPr>
+          <p:nvPr/>
+        </p:nvPicPr>
+        <p:blipFill>
+          <a:blip r:embed="rId3">
+            <a:extLst>
+              <a:ext uri="{28A0092B-C50C-407E-A947-70E740481C1C}">
+                <a14:useLocalDpi xmlns:a14="http://schemas.microsoft.com/office/drawing/2010/main" val="0"/>
+              </a:ext>
+            </a:extLst>
+          </a:blip>
+          <a:stretch>
+            <a:fillRect/>
+          </a:stretch>
+        </p:blipFill>
+        <p:spPr>
+          <a:xfrm>
+            <a:off x="526206" y="1863608"/>
+            <a:ext cx="7384794" cy="1028401"/>
+          </a:xfrm>
+          <a:prstGeom prst="rect">
+            <a:avLst/>
+          </a:prstGeom>
+        </p:spPr>
+      </p:pic>
       <p:sp>
         <p:nvSpPr>
           <p:cNvPr id="2" name="Title 1"/>
@@ -4293,32 +4626,13 @@
               <a:t>User-based CF</a:t>
             </a:r>
             <a:endParaRPr lang="en-US" dirty="0"/>
-          </a:p>
-        </p:txBody>
-      </p:sp>
-      <p:sp>
-        <p:nvSpPr>
-          <p:cNvPr id="3" name="Content Placeholder 2"/>
-          <p:cNvSpPr>
-            <a:spLocks noGrp="1"/>
-          </p:cNvSpPr>
-          <p:nvPr>
-            <p:ph idx="1"/>
-          </p:nvPr>
-        </p:nvSpPr>
-        <p:spPr/>
-        <p:txBody>
-          <a:bodyPr/>
-          <a:lstStyle/>
-          <a:p>
-            <a:endParaRPr lang="en-US"/>
           </a:p>
         </p:txBody>
       </p:sp>
     </p:spTree>
     <p:extLst>
       <p:ext uri="{BB962C8B-B14F-4D97-AF65-F5344CB8AC3E}">
-        <p14:creationId xmlns:p14="http://schemas.microsoft.com/office/powerpoint/2010/main" val="3580464644"/>
+        <p14:creationId xmlns:p14="http://schemas.microsoft.com/office/powerpoint/2010/main" val="1698607062"/>
       </p:ext>
     </p:extLst>
   </p:cSld>
@@ -4368,29 +4682,70 @@
           </a:p>
         </p:txBody>
       </p:sp>
-      <p:sp>
-        <p:nvSpPr>
-          <p:cNvPr id="3" name="Content Placeholder 2"/>
-          <p:cNvSpPr>
-            <a:spLocks noGrp="1"/>
-          </p:cNvSpPr>
-          <p:nvPr>
-            <p:ph idx="1"/>
-          </p:nvPr>
-        </p:nvSpPr>
-        <p:spPr/>
-        <p:txBody>
-          <a:bodyPr/>
-          <a:lstStyle/>
-          <a:p>
-            <a:endParaRPr lang="en-US"/>
-          </a:p>
-        </p:txBody>
-      </p:sp>
+      <p:pic>
+        <p:nvPicPr>
+          <p:cNvPr id="10" name="Picture 9" descr="userbasedeq1.png"/>
+          <p:cNvPicPr>
+            <a:picLocks noChangeAspect="1"/>
+          </p:cNvPicPr>
+          <p:nvPr/>
+        </p:nvPicPr>
+        <p:blipFill>
+          <a:blip r:embed="rId2">
+            <a:extLst>
+              <a:ext uri="{28A0092B-C50C-407E-A947-70E740481C1C}">
+                <a14:useLocalDpi xmlns:a14="http://schemas.microsoft.com/office/drawing/2010/main" val="0"/>
+              </a:ext>
+            </a:extLst>
+          </a:blip>
+          <a:stretch>
+            <a:fillRect/>
+          </a:stretch>
+        </p:blipFill>
+        <p:spPr>
+          <a:xfrm>
+            <a:off x="532172" y="1835721"/>
+            <a:ext cx="7360302" cy="1056288"/>
+          </a:xfrm>
+          <a:prstGeom prst="rect">
+            <a:avLst/>
+          </a:prstGeom>
+        </p:spPr>
+      </p:pic>
+      <p:pic>
+        <p:nvPicPr>
+          <p:cNvPr id="11" name="Picture 10" descr="userbasedeq2.png"/>
+          <p:cNvPicPr>
+            <a:picLocks noChangeAspect="1"/>
+          </p:cNvPicPr>
+          <p:nvPr/>
+        </p:nvPicPr>
+        <p:blipFill>
+          <a:blip r:embed="rId3">
+            <a:extLst>
+              <a:ext uri="{28A0092B-C50C-407E-A947-70E740481C1C}">
+                <a14:useLocalDpi xmlns:a14="http://schemas.microsoft.com/office/drawing/2010/main" val="0"/>
+              </a:ext>
+            </a:extLst>
+          </a:blip>
+          <a:stretch>
+            <a:fillRect/>
+          </a:stretch>
+        </p:blipFill>
+        <p:spPr>
+          <a:xfrm>
+            <a:off x="2396223" y="3837057"/>
+            <a:ext cx="3111980" cy="870484"/>
+          </a:xfrm>
+          <a:prstGeom prst="rect">
+            <a:avLst/>
+          </a:prstGeom>
+        </p:spPr>
+      </p:pic>
     </p:spTree>
     <p:extLst>
       <p:ext uri="{BB962C8B-B14F-4D97-AF65-F5344CB8AC3E}">
-        <p14:creationId xmlns:p14="http://schemas.microsoft.com/office/powerpoint/2010/main" val="3655441531"/>
+        <p14:creationId xmlns:p14="http://schemas.microsoft.com/office/powerpoint/2010/main" val="3580464644"/>
       </p:ext>
     </p:extLst>
   </p:cSld>

--- a/presentation/Presentation.pptx
+++ b/presentation/Presentation.pptx
@@ -117,6 +117,22 @@
       </a:defRPr>
     </a:lvl9pPr>
   </p:defaultTextStyle>
+  <p:extLst>
+    <p:ext uri="{EFAFB233-063F-42B5-8137-9DF3F51BA10A}">
+      <p15:sldGuideLst xmlns:p15="http://schemas.microsoft.com/office/powerpoint/2012/main">
+        <p15:guide id="1" orient="horz" pos="2160">
+          <p15:clr>
+            <a:srgbClr val="A4A3A4"/>
+          </p15:clr>
+        </p15:guide>
+        <p15:guide id="2" pos="2880">
+          <p15:clr>
+            <a:srgbClr val="A4A3A4"/>
+          </p15:clr>
+        </p15:guide>
+      </p15:sldGuideLst>
+    </p:ext>
+  </p:extLst>
 </p:presentation>
 </file>
 
@@ -202,7 +218,7 @@
           <a:p>
             <a:fld id="{9A184AA0-417A-6147-8D33-8C92510AD8E0}" type="datetimeFigureOut">
               <a:rPr lang="en-US" smtClean="0"/>
-              <a:t>5/14/15</a:t>
+              <a:t>5/14/2015</a:t>
             </a:fld>
             <a:endParaRPr lang="en-US"/>
           </a:p>
@@ -470,6 +486,90 @@
 </p:notesMaster>
 </file>
 
+<file path=ppt/notesSlides/notesSlide1.xml><?xml version="1.0" encoding="utf-8"?>
+<p:notes xmlns:a="http://schemas.openxmlformats.org/drawingml/2006/main" xmlns:r="http://schemas.openxmlformats.org/officeDocument/2006/relationships" xmlns:p="http://schemas.openxmlformats.org/presentationml/2006/main">
+  <p:cSld>
+    <p:spTree>
+      <p:nvGrpSpPr>
+        <p:cNvPr id="1" name=""/>
+        <p:cNvGrpSpPr/>
+        <p:nvPr/>
+      </p:nvGrpSpPr>
+      <p:grpSpPr>
+        <a:xfrm>
+          <a:off x="0" y="0"/>
+          <a:ext cx="0" cy="0"/>
+          <a:chOff x="0" y="0"/>
+          <a:chExt cx="0" cy="0"/>
+        </a:xfrm>
+      </p:grpSpPr>
+      <p:sp>
+        <p:nvSpPr>
+          <p:cNvPr id="2" name="Slide Image Placeholder 1"/>
+          <p:cNvSpPr>
+            <a:spLocks noGrp="1" noRot="1" noChangeAspect="1"/>
+          </p:cNvSpPr>
+          <p:nvPr>
+            <p:ph type="sldImg"/>
+          </p:nvPr>
+        </p:nvSpPr>
+        <p:spPr/>
+      </p:sp>
+      <p:sp>
+        <p:nvSpPr>
+          <p:cNvPr id="3" name="Notes Placeholder 2"/>
+          <p:cNvSpPr>
+            <a:spLocks noGrp="1"/>
+          </p:cNvSpPr>
+          <p:nvPr>
+            <p:ph type="body" idx="1"/>
+          </p:nvPr>
+        </p:nvSpPr>
+        <p:spPr/>
+        <p:txBody>
+          <a:bodyPr/>
+          <a:lstStyle/>
+          <a:p>
+            <a:endParaRPr lang="en-US" dirty="0"/>
+          </a:p>
+        </p:txBody>
+      </p:sp>
+      <p:sp>
+        <p:nvSpPr>
+          <p:cNvPr id="4" name="Slide Number Placeholder 3"/>
+          <p:cNvSpPr>
+            <a:spLocks noGrp="1"/>
+          </p:cNvSpPr>
+          <p:nvPr>
+            <p:ph type="sldNum" sz="quarter" idx="10"/>
+          </p:nvPr>
+        </p:nvSpPr>
+        <p:spPr/>
+        <p:txBody>
+          <a:bodyPr/>
+          <a:lstStyle/>
+          <a:p>
+            <a:fld id="{C7B39F4E-15F8-2B46-8D7E-EA77CBC8061F}" type="slidenum">
+              <a:rPr lang="en-US" smtClean="0"/>
+              <a:t>6</a:t>
+            </a:fld>
+            <a:endParaRPr lang="en-US"/>
+          </a:p>
+        </p:txBody>
+      </p:sp>
+    </p:spTree>
+    <p:extLst>
+      <p:ext uri="{BB962C8B-B14F-4D97-AF65-F5344CB8AC3E}">
+        <p14:creationId xmlns:p14="http://schemas.microsoft.com/office/powerpoint/2010/main" val="1287528281"/>
+      </p:ext>
+    </p:extLst>
+  </p:cSld>
+  <p:clrMapOvr>
+    <a:masterClrMapping/>
+  </p:clrMapOvr>
+</p:notes>
+</file>
+
 <file path=ppt/slideLayouts/slideLayout1.xml><?xml version="1.0" encoding="utf-8"?>
 <p:sldLayout xmlns:a="http://schemas.openxmlformats.org/drawingml/2006/main" xmlns:r="http://schemas.openxmlformats.org/officeDocument/2006/relationships" xmlns:p="http://schemas.openxmlformats.org/presentationml/2006/main" type="title" preserve="1">
   <p:cSld name="Title Slide">
@@ -664,7 +764,7 @@
           <a:p>
             <a:fld id="{9486CE89-D624-C44E-A06D-79D3F3AEE336}" type="datetimeFigureOut">
               <a:rPr lang="en-US" smtClean="0"/>
-              <a:t>5/14/15</a:t>
+              <a:t>5/14/2015</a:t>
             </a:fld>
             <a:endParaRPr lang="en-US"/>
           </a:p>
@@ -829,7 +929,7 @@
           <a:p>
             <a:fld id="{9486CE89-D624-C44E-A06D-79D3F3AEE336}" type="datetimeFigureOut">
               <a:rPr lang="en-US" smtClean="0"/>
-              <a:t>5/14/15</a:t>
+              <a:t>5/14/2015</a:t>
             </a:fld>
             <a:endParaRPr lang="en-US"/>
           </a:p>
@@ -1004,7 +1104,7 @@
           <a:p>
             <a:fld id="{9486CE89-D624-C44E-A06D-79D3F3AEE336}" type="datetimeFigureOut">
               <a:rPr lang="en-US" smtClean="0"/>
-              <a:t>5/14/15</a:t>
+              <a:t>5/14/2015</a:t>
             </a:fld>
             <a:endParaRPr lang="en-US"/>
           </a:p>
@@ -1169,7 +1269,7 @@
           <a:p>
             <a:fld id="{9486CE89-D624-C44E-A06D-79D3F3AEE336}" type="datetimeFigureOut">
               <a:rPr lang="en-US" smtClean="0"/>
-              <a:t>5/14/15</a:t>
+              <a:t>5/14/2015</a:t>
             </a:fld>
             <a:endParaRPr lang="en-US"/>
           </a:p>
@@ -1410,7 +1510,7 @@
           <a:p>
             <a:fld id="{9486CE89-D624-C44E-A06D-79D3F3AEE336}" type="datetimeFigureOut">
               <a:rPr lang="en-US" smtClean="0"/>
-              <a:t>5/14/15</a:t>
+              <a:t>5/14/2015</a:t>
             </a:fld>
             <a:endParaRPr lang="en-US"/>
           </a:p>
@@ -1693,7 +1793,7 @@
           <a:p>
             <a:fld id="{9486CE89-D624-C44E-A06D-79D3F3AEE336}" type="datetimeFigureOut">
               <a:rPr lang="en-US" smtClean="0"/>
-              <a:t>5/14/15</a:t>
+              <a:t>5/14/2015</a:t>
             </a:fld>
             <a:endParaRPr lang="en-US"/>
           </a:p>
@@ -2122,7 +2222,7 @@
           <a:p>
             <a:fld id="{9486CE89-D624-C44E-A06D-79D3F3AEE336}" type="datetimeFigureOut">
               <a:rPr lang="en-US" smtClean="0"/>
-              <a:t>5/14/15</a:t>
+              <a:t>5/14/2015</a:t>
             </a:fld>
             <a:endParaRPr lang="en-US"/>
           </a:p>
@@ -2235,7 +2335,7 @@
           <a:p>
             <a:fld id="{9486CE89-D624-C44E-A06D-79D3F3AEE336}" type="datetimeFigureOut">
               <a:rPr lang="en-US" smtClean="0"/>
-              <a:t>5/14/15</a:t>
+              <a:t>5/14/2015</a:t>
             </a:fld>
             <a:endParaRPr lang="en-US"/>
           </a:p>
@@ -2325,7 +2425,7 @@
           <a:p>
             <a:fld id="{9486CE89-D624-C44E-A06D-79D3F3AEE336}" type="datetimeFigureOut">
               <a:rPr lang="en-US" smtClean="0"/>
-              <a:t>5/14/15</a:t>
+              <a:t>5/14/2015</a:t>
             </a:fld>
             <a:endParaRPr lang="en-US"/>
           </a:p>
@@ -2514,7 +2614,7 @@
           <a:p>
             <a:fld id="{9486CE89-D624-C44E-A06D-79D3F3AEE336}" type="datetimeFigureOut">
               <a:rPr lang="en-US" smtClean="0"/>
-              <a:t>5/14/15</a:t>
+              <a:t>5/14/2015</a:t>
             </a:fld>
             <a:endParaRPr lang="en-US"/>
           </a:p>
@@ -2832,7 +2932,7 @@
           <a:p>
             <a:fld id="{9486CE89-D624-C44E-A06D-79D3F3AEE336}" type="datetimeFigureOut">
               <a:rPr lang="en-US" smtClean="0"/>
-              <a:t>5/14/15</a:t>
+              <a:t>5/14/2015</a:t>
             </a:fld>
             <a:endParaRPr lang="en-US"/>
           </a:p>
@@ -3211,7 +3311,7 @@
           <a:p>
             <a:fld id="{9486CE89-D624-C44E-A06D-79D3F3AEE336}" type="datetimeFigureOut">
               <a:rPr lang="en-US" smtClean="0"/>
-              <a:t>5/14/15</a:t>
+              <a:t>5/14/2015</a:t>
             </a:fld>
             <a:endParaRPr lang="en-US"/>
           </a:p>
@@ -3520,6 +3620,14 @@
 <file path=ppt/slides/slide1.xml><?xml version="1.0" encoding="utf-8"?>
 <p:sld xmlns:a="http://schemas.openxmlformats.org/drawingml/2006/main" xmlns:r="http://schemas.openxmlformats.org/officeDocument/2006/relationships" xmlns:p="http://schemas.openxmlformats.org/presentationml/2006/main">
   <p:cSld>
+    <p:bg>
+      <p:bgPr>
+        <a:solidFill>
+          <a:schemeClr val="bg1"/>
+        </a:solidFill>
+        <a:effectLst/>
+      </p:bgPr>
+    </p:bg>
     <p:spTree>
       <p:nvGrpSpPr>
         <p:cNvPr id="1" name=""/>
@@ -3629,6 +3737,14 @@
 <file path=ppt/slides/slide10.xml><?xml version="1.0" encoding="utf-8"?>
 <p:sld xmlns:a="http://schemas.openxmlformats.org/drawingml/2006/main" xmlns:r="http://schemas.openxmlformats.org/officeDocument/2006/relationships" xmlns:p="http://schemas.openxmlformats.org/presentationml/2006/main">
   <p:cSld>
+    <p:bg>
+      <p:bgPr>
+        <a:solidFill>
+          <a:schemeClr val="bg1"/>
+        </a:solidFill>
+        <a:effectLst/>
+      </p:bgPr>
+    </p:bg>
     <p:spTree>
       <p:nvGrpSpPr>
         <p:cNvPr id="1" name=""/>
@@ -3791,6 +3907,14 @@
 <file path=ppt/slides/slide11.xml><?xml version="1.0" encoding="utf-8"?>
 <p:sld xmlns:a="http://schemas.openxmlformats.org/drawingml/2006/main" xmlns:r="http://schemas.openxmlformats.org/officeDocument/2006/relationships" xmlns:p="http://schemas.openxmlformats.org/presentationml/2006/main">
   <p:cSld>
+    <p:bg>
+      <p:bgPr>
+        <a:solidFill>
+          <a:schemeClr val="bg1"/>
+        </a:solidFill>
+        <a:effectLst/>
+      </p:bgPr>
+    </p:bg>
     <p:spTree>
       <p:nvGrpSpPr>
         <p:cNvPr id="1" name=""/>
@@ -3851,7 +3975,7 @@
         <p:spPr>
           <a:xfrm>
             <a:off x="1253737" y="1929858"/>
-            <a:ext cx="5478511" cy="1069168"/>
+            <a:ext cx="3513245" cy="685633"/>
           </a:xfrm>
           <a:prstGeom prst="rect">
             <a:avLst/>
@@ -3880,8 +4004,8 @@
         </p:blipFill>
         <p:spPr>
           <a:xfrm>
-            <a:off x="1256035" y="3514656"/>
-            <a:ext cx="5476213" cy="1084243"/>
+            <a:off x="1253737" y="2692736"/>
+            <a:ext cx="3510947" cy="695137"/>
           </a:xfrm>
           <a:prstGeom prst="rect">
             <a:avLst/>
@@ -3910,7 +4034,7 @@
         </p:blipFill>
         <p:spPr>
           <a:xfrm>
-            <a:off x="627323" y="4985497"/>
+            <a:off x="627323" y="3600450"/>
             <a:ext cx="7143865" cy="744424"/>
           </a:xfrm>
           <a:prstGeom prst="rect">
@@ -3934,6 +4058,14 @@
 <file path=ppt/slides/slide2.xml><?xml version="1.0" encoding="utf-8"?>
 <p:sld xmlns:a="http://schemas.openxmlformats.org/drawingml/2006/main" xmlns:r="http://schemas.openxmlformats.org/officeDocument/2006/relationships" xmlns:p="http://schemas.openxmlformats.org/presentationml/2006/main">
   <p:cSld>
+    <p:bg>
+      <p:bgPr>
+        <a:solidFill>
+          <a:schemeClr val="bg1"/>
+        </a:solidFill>
+        <a:effectLst/>
+      </p:bgPr>
+    </p:bg>
     <p:spTree>
       <p:nvGrpSpPr>
         <p:cNvPr id="1" name=""/>
@@ -4034,7 +4166,7 @@
   <p:timing>
     <p:tnLst>
       <p:par>
-        <p:cTn xmlns:p14="http://schemas.microsoft.com/office/powerpoint/2010/main" id="1" dur="indefinite" restart="never" nodeType="tmRoot"/>
+        <p:cTn id="1" dur="indefinite" restart="never" nodeType="tmRoot"/>
       </p:par>
     </p:tnLst>
   </p:timing>
@@ -4044,6 +4176,14 @@
 <file path=ppt/slides/slide3.xml><?xml version="1.0" encoding="utf-8"?>
 <p:sld xmlns:a="http://schemas.openxmlformats.org/drawingml/2006/main" xmlns:r="http://schemas.openxmlformats.org/officeDocument/2006/relationships" xmlns:p="http://schemas.openxmlformats.org/presentationml/2006/main">
   <p:cSld>
+    <p:bg>
+      <p:bgPr>
+        <a:solidFill>
+          <a:schemeClr val="bg1"/>
+        </a:solidFill>
+        <a:effectLst/>
+      </p:bgPr>
+    </p:bg>
     <p:spTree>
       <p:nvGrpSpPr>
         <p:cNvPr id="1" name=""/>
@@ -4175,7 +4315,7 @@
   <p:timing>
     <p:tnLst>
       <p:par>
-        <p:cTn xmlns:p14="http://schemas.microsoft.com/office/powerpoint/2010/main" id="1" dur="indefinite" restart="never" nodeType="tmRoot"/>
+        <p:cTn id="1" dur="indefinite" restart="never" nodeType="tmRoot"/>
       </p:par>
     </p:tnLst>
   </p:timing>
@@ -4185,6 +4325,14 @@
 <file path=ppt/slides/slide4.xml><?xml version="1.0" encoding="utf-8"?>
 <p:sld xmlns:a="http://schemas.openxmlformats.org/drawingml/2006/main" xmlns:r="http://schemas.openxmlformats.org/officeDocument/2006/relationships" xmlns:p="http://schemas.openxmlformats.org/presentationml/2006/main">
   <p:cSld>
+    <p:bg>
+      <p:bgPr>
+        <a:solidFill>
+          <a:schemeClr val="bg1"/>
+        </a:solidFill>
+        <a:effectLst/>
+      </p:bgPr>
+    </p:bg>
     <p:spTree>
       <p:nvGrpSpPr>
         <p:cNvPr id="1" name=""/>
@@ -4284,7 +4432,7 @@
   <p:timing>
     <p:tnLst>
       <p:par>
-        <p:cTn xmlns:p14="http://schemas.microsoft.com/office/powerpoint/2010/main" id="1" dur="indefinite" restart="never" nodeType="tmRoot"/>
+        <p:cTn id="1" dur="indefinite" restart="never" nodeType="tmRoot"/>
       </p:par>
     </p:tnLst>
   </p:timing>
@@ -4294,6 +4442,14 @@
 <file path=ppt/slides/slide5.xml><?xml version="1.0" encoding="utf-8"?>
 <p:sld xmlns:a="http://schemas.openxmlformats.org/drawingml/2006/main" xmlns:r="http://schemas.openxmlformats.org/officeDocument/2006/relationships" xmlns:p="http://schemas.openxmlformats.org/presentationml/2006/main">
   <p:cSld>
+    <p:bg>
+      <p:bgPr>
+        <a:solidFill>
+          <a:schemeClr val="bg1"/>
+        </a:solidFill>
+        <a:effectLst/>
+      </p:bgPr>
+    </p:bg>
     <p:spTree>
       <p:nvGrpSpPr>
         <p:cNvPr id="1" name=""/>
@@ -4325,28 +4481,304 @@
           <a:p>
             <a:r>
               <a:rPr lang="en-US" dirty="0" smtClean="0"/>
-              <a:t>Matrix Factorization</a:t>
+              <a:t>Matrix </a:t>
+            </a:r>
+            <a:r>
+              <a:rPr lang="en-US" dirty="0" smtClean="0"/>
+              <a:t>Factorization</a:t>
+            </a:r>
+            <a:br>
+              <a:rPr lang="en-US" dirty="0" smtClean="0"/>
+            </a:br>
+            <a:r>
+              <a:rPr lang="en-US" sz="3200" dirty="0" err="1" smtClean="0"/>
+              <a:t>Hyperparamters</a:t>
+            </a:r>
+            <a:endParaRPr lang="en-US" sz="3200" dirty="0"/>
+          </a:p>
+        </p:txBody>
+      </p:sp>
+      <mc:AlternateContent xmlns:mc="http://schemas.openxmlformats.org/markup-compatibility/2006">
+        <mc:Choice xmlns:a14="http://schemas.microsoft.com/office/drawing/2010/main" Requires="a14">
+          <p:sp>
+            <p:nvSpPr>
+              <p:cNvPr id="3" name="Content Placeholder 2"/>
+              <p:cNvSpPr>
+                <a:spLocks noGrp="1"/>
+              </p:cNvSpPr>
+              <p:nvPr>
+                <p:ph idx="1"/>
+              </p:nvPr>
+            </p:nvSpPr>
+            <p:spPr>
+              <a:xfrm>
+                <a:off x="4888006" y="4515847"/>
+                <a:ext cx="3330388" cy="1889312"/>
+              </a:xfrm>
+            </p:spPr>
+            <p:txBody>
+              <a:bodyPr>
+                <a:normAutofit/>
+              </a:bodyPr>
+              <a:lstStyle/>
+              <a:p>
+                <a:pPr marL="114300" indent="0">
+                  <a:buNone/>
+                </a:pPr>
+                <a:r>
+                  <a:rPr lang="en-US" sz="1800" dirty="0" smtClean="0"/>
+                  <a:t>Hyperparameters</a:t>
+                </a:r>
+              </a:p>
+              <a:p>
+                <a:pPr>
+                  <a:buClr>
+                    <a:schemeClr val="tx1"/>
+                  </a:buClr>
+                </a:pPr>
+                <a:r>
+                  <a:rPr lang="en-US" sz="1800" dirty="0" smtClean="0"/>
+                  <a:t>Rank </a:t>
+                </a:r>
+                <a:r>
+                  <a:rPr lang="en-US" sz="1800" dirty="0"/>
+                  <a:t>d</a:t>
+                </a:r>
+              </a:p>
+              <a:p>
+                <a:pPr>
+                  <a:buClr>
+                    <a:schemeClr val="tx1"/>
+                  </a:buClr>
+                </a:pPr>
+                <a:r>
+                  <a:rPr lang="en-US" sz="1800" dirty="0" smtClean="0"/>
+                  <a:t>Variance </a:t>
+                </a:r>
+                <a14:m>
+                  <m:oMath xmlns:m="http://schemas.openxmlformats.org/officeDocument/2006/math">
+                    <m:sSup>
+                      <m:sSupPr>
+                        <m:ctrlPr>
+                          <a:rPr lang="en-US" sz="1800" i="1" smtClean="0">
+                            <a:latin typeface="Cambria Math" panose="02040503050406030204" pitchFamily="18" charset="0"/>
+                            <a:ea typeface="Cambria Math" panose="02040503050406030204" pitchFamily="18" charset="0"/>
+                          </a:rPr>
+                        </m:ctrlPr>
+                      </m:sSupPr>
+                      <m:e>
+                        <m:r>
+                          <a:rPr lang="en-US" sz="1800" i="1" smtClean="0">
+                            <a:latin typeface="Cambria Math" panose="02040503050406030204" pitchFamily="18" charset="0"/>
+                            <a:ea typeface="Cambria Math" panose="02040503050406030204" pitchFamily="18" charset="0"/>
+                          </a:rPr>
+                          <m:t>𝜎</m:t>
+                        </m:r>
+                      </m:e>
+                      <m:sup>
+                        <m:r>
+                          <a:rPr lang="en-US" sz="1800" b="0" i="1" smtClean="0">
+                            <a:latin typeface="Cambria Math" panose="02040503050406030204" pitchFamily="18" charset="0"/>
+                            <a:ea typeface="Cambria Math" panose="02040503050406030204" pitchFamily="18" charset="0"/>
+                          </a:rPr>
+                          <m:t>2</m:t>
+                        </m:r>
+                      </m:sup>
+                    </m:sSup>
+                  </m:oMath>
+                </a14:m>
+                <a:endParaRPr lang="en-US" sz="1800" dirty="0" smtClean="0"/>
+              </a:p>
+              <a:p>
+                <a:pPr>
+                  <a:buClr>
+                    <a:schemeClr val="tx1"/>
+                  </a:buClr>
+                </a:pPr>
+                <a:r>
+                  <a:rPr lang="en-US" sz="1800" dirty="0" smtClean="0"/>
+                  <a:t>Iterations</a:t>
+                </a:r>
+              </a:p>
+              <a:p>
+                <a:pPr>
+                  <a:buClr>
+                    <a:schemeClr val="tx1"/>
+                  </a:buClr>
+                </a:pPr>
+                <a:r>
+                  <a:rPr lang="en-US" sz="1800" dirty="0"/>
+                  <a:t>Lambda </a:t>
+                </a:r>
+                <a14:m>
+                  <m:oMath xmlns:m="http://schemas.openxmlformats.org/officeDocument/2006/math">
+                    <m:r>
+                      <a:rPr lang="en-US" sz="1800" i="1">
+                        <a:latin typeface="Cambria Math" panose="02040503050406030204" pitchFamily="18" charset="0"/>
+                        <a:ea typeface="Cambria Math" panose="02040503050406030204" pitchFamily="18" charset="0"/>
+                      </a:rPr>
+                      <m:t>𝜆</m:t>
+                    </m:r>
+                  </m:oMath>
+                </a14:m>
+                <a:r>
+                  <a:rPr lang="en-US" sz="1800" dirty="0" smtClean="0"/>
+                  <a:t> set to 10</a:t>
+                </a:r>
+                <a:endParaRPr lang="en-US" sz="1800" dirty="0"/>
+              </a:p>
+            </p:txBody>
+          </p:sp>
+        </mc:Choice>
+        <mc:Fallback>
+          <p:sp>
+            <p:nvSpPr>
+              <p:cNvPr id="3" name="Content Placeholder 2"/>
+              <p:cNvSpPr>
+                <a:spLocks noGrp="1" noRot="1" noChangeAspect="1" noMove="1" noResize="1" noEditPoints="1" noAdjustHandles="1" noChangeArrowheads="1" noChangeShapeType="1" noTextEdit="1"/>
+              </p:cNvSpPr>
+              <p:nvPr>
+                <p:ph idx="1"/>
+              </p:nvPr>
+            </p:nvSpPr>
+            <p:spPr>
+              <a:xfrm>
+                <a:off x="4888006" y="4515847"/>
+                <a:ext cx="3330388" cy="1889312"/>
+              </a:xfrm>
+              <a:blipFill rotWithShape="0">
+                <a:blip r:embed="rId2"/>
+                <a:stretch>
+                  <a:fillRect t="-1935"/>
+                </a:stretch>
+              </a:blipFill>
+            </p:spPr>
+            <p:txBody>
+              <a:bodyPr/>
+              <a:lstStyle/>
+              <a:p>
+                <a:r>
+                  <a:rPr lang="en-US">
+                    <a:noFill/>
+                  </a:rPr>
+                  <a:t> </a:t>
+                </a:r>
+              </a:p>
+            </p:txBody>
+          </p:sp>
+        </mc:Fallback>
+      </mc:AlternateContent>
+      <p:pic>
+        <p:nvPicPr>
+          <p:cNvPr id="4" name="Picture 3" descr="eq1.png"/>
+          <p:cNvPicPr>
+            <a:picLocks noChangeAspect="1"/>
+          </p:cNvPicPr>
+          <p:nvPr/>
+        </p:nvPicPr>
+        <p:blipFill>
+          <a:blip r:embed="rId3">
+            <a:extLst>
+              <a:ext uri="{28A0092B-C50C-407E-A947-70E740481C1C}">
+                <a14:useLocalDpi xmlns:a14="http://schemas.microsoft.com/office/drawing/2010/main" val="0"/>
+              </a:ext>
+            </a:extLst>
+          </a:blip>
+          <a:stretch>
+            <a:fillRect/>
+          </a:stretch>
+        </p:blipFill>
+        <p:spPr>
+          <a:xfrm>
+            <a:off x="812111" y="4871732"/>
+            <a:ext cx="3513245" cy="685633"/>
+          </a:xfrm>
+          <a:prstGeom prst="rect">
+            <a:avLst/>
+          </a:prstGeom>
+        </p:spPr>
+      </p:pic>
+      <p:pic>
+        <p:nvPicPr>
+          <p:cNvPr id="5" name="Picture 4" descr="eq2.png"/>
+          <p:cNvPicPr>
+            <a:picLocks noChangeAspect="1"/>
+          </p:cNvPicPr>
+          <p:nvPr/>
+        </p:nvPicPr>
+        <p:blipFill>
+          <a:blip r:embed="rId4">
+            <a:extLst>
+              <a:ext uri="{28A0092B-C50C-407E-A947-70E740481C1C}">
+                <a14:useLocalDpi xmlns:a14="http://schemas.microsoft.com/office/drawing/2010/main" val="0"/>
+              </a:ext>
+            </a:extLst>
+          </a:blip>
+          <a:stretch>
+            <a:fillRect/>
+          </a:stretch>
+        </p:blipFill>
+        <p:spPr>
+          <a:xfrm>
+            <a:off x="814410" y="5631514"/>
+            <a:ext cx="3510947" cy="695137"/>
+          </a:xfrm>
+          <a:prstGeom prst="rect">
+            <a:avLst/>
+          </a:prstGeom>
+        </p:spPr>
+      </p:pic>
+      <p:pic>
+        <p:nvPicPr>
+          <p:cNvPr id="6" name="Picture 5"/>
+          <p:cNvPicPr>
+            <a:picLocks noChangeAspect="1"/>
+          </p:cNvPicPr>
+          <p:nvPr/>
+        </p:nvPicPr>
+        <p:blipFill>
+          <a:blip r:embed="rId5"/>
+          <a:stretch>
+            <a:fillRect/>
+          </a:stretch>
+        </p:blipFill>
+        <p:spPr>
+          <a:xfrm>
+            <a:off x="1638968" y="1654637"/>
+            <a:ext cx="5256463" cy="2610763"/>
+          </a:xfrm>
+          <a:prstGeom prst="rect">
+            <a:avLst/>
+          </a:prstGeom>
+        </p:spPr>
+      </p:pic>
+      <p:sp>
+        <p:nvSpPr>
+          <p:cNvPr id="7" name="TextBox 6"/>
+          <p:cNvSpPr txBox="1"/>
+          <p:nvPr/>
+        </p:nvSpPr>
+        <p:spPr>
+          <a:xfrm>
+            <a:off x="699247" y="4502400"/>
+            <a:ext cx="3738972" cy="369332"/>
+          </a:xfrm>
+          <a:prstGeom prst="rect">
+            <a:avLst/>
+          </a:prstGeom>
+          <a:noFill/>
+        </p:spPr>
+        <p:txBody>
+          <a:bodyPr wrap="none" rtlCol="0">
+            <a:spAutoFit/>
+          </a:bodyPr>
+          <a:lstStyle/>
+          <a:p>
+            <a:r>
+              <a:rPr lang="en-US" dirty="0" smtClean="0"/>
+              <a:t>Alternating least squares optimization</a:t>
             </a:r>
             <a:endParaRPr lang="en-US" dirty="0"/>
-          </a:p>
-        </p:txBody>
-      </p:sp>
-      <p:sp>
-        <p:nvSpPr>
-          <p:cNvPr id="3" name="Content Placeholder 2"/>
-          <p:cNvSpPr>
-            <a:spLocks noGrp="1"/>
-          </p:cNvSpPr>
-          <p:nvPr>
-            <p:ph idx="1"/>
-          </p:nvPr>
-        </p:nvSpPr>
-        <p:spPr/>
-        <p:txBody>
-          <a:bodyPr/>
-          <a:lstStyle/>
-          <a:p>
-            <a:endParaRPr lang="en-US"/>
           </a:p>
         </p:txBody>
       </p:sp>
@@ -4366,6 +4798,14 @@
 <file path=ppt/slides/slide6.xml><?xml version="1.0" encoding="utf-8"?>
 <p:sld xmlns:a="http://schemas.openxmlformats.org/drawingml/2006/main" xmlns:r="http://schemas.openxmlformats.org/officeDocument/2006/relationships" xmlns:p="http://schemas.openxmlformats.org/presentationml/2006/main">
   <p:cSld>
+    <p:bg>
+      <p:bgPr>
+        <a:solidFill>
+          <a:schemeClr val="bg1"/>
+        </a:solidFill>
+        <a:effectLst/>
+      </p:bgPr>
+    </p:bg>
     <p:spTree>
       <p:nvGrpSpPr>
         <p:cNvPr id="1" name=""/>
@@ -4397,9 +4837,20 @@
           <a:p>
             <a:r>
               <a:rPr lang="en-US" dirty="0" smtClean="0"/>
-              <a:t>Matrix Factorization</a:t>
-            </a:r>
-            <a:endParaRPr lang="en-US" dirty="0"/>
+              <a:t>Matrix </a:t>
+            </a:r>
+            <a:r>
+              <a:rPr lang="en-US" dirty="0" smtClean="0"/>
+              <a:t>Factorization</a:t>
+            </a:r>
+            <a:br>
+              <a:rPr lang="en-US" dirty="0" smtClean="0"/>
+            </a:br>
+            <a:r>
+              <a:rPr lang="en-US" sz="3200" dirty="0" smtClean="0"/>
+              <a:t>Initial Results</a:t>
+            </a:r>
+            <a:endParaRPr lang="en-US" sz="3200" dirty="0"/>
           </a:p>
         </p:txBody>
       </p:sp>
@@ -4412,7 +4863,7 @@
           <p:nvPr/>
         </p:nvPicPr>
         <p:blipFill>
-          <a:blip r:embed="rId2">
+          <a:blip r:embed="rId3">
             <a:extLst>
               <a:ext uri="{28A0092B-C50C-407E-A947-70E740481C1C}">
                 <a14:useLocalDpi xmlns:a14="http://schemas.microsoft.com/office/drawing/2010/main" val="0"/>
@@ -4425,7 +4876,7 @@
         </p:blipFill>
         <p:spPr>
           <a:xfrm>
-            <a:off x="168306" y="1806633"/>
+            <a:off x="250528" y="1456790"/>
             <a:ext cx="8033343" cy="3792983"/>
           </a:xfrm>
           <a:prstGeom prst="rect">
@@ -4433,6 +4884,110 @@
           </a:prstGeom>
         </p:spPr>
       </p:pic>
+      <p:sp>
+        <p:nvSpPr>
+          <p:cNvPr id="3" name="TextBox 2"/>
+          <p:cNvSpPr txBox="1"/>
+          <p:nvPr/>
+        </p:nvSpPr>
+        <p:spPr>
+          <a:xfrm>
+            <a:off x="685799" y="5480485"/>
+            <a:ext cx="7247965" cy="1477328"/>
+          </a:xfrm>
+          <a:prstGeom prst="rect">
+            <a:avLst/>
+          </a:prstGeom>
+          <a:noFill/>
+        </p:spPr>
+        <p:txBody>
+          <a:bodyPr wrap="square" rtlCol="0">
+            <a:spAutoFit/>
+          </a:bodyPr>
+          <a:lstStyle/>
+          <a:p>
+            <a:pPr marL="285750" indent="-285750">
+              <a:buFont typeface="Arial" panose="020B0604020202020204" pitchFamily="34" charset="0"/>
+              <a:buChar char="•"/>
+            </a:pPr>
+            <a:r>
+              <a:rPr lang="en-US" dirty="0" smtClean="0"/>
+              <a:t>MAP are significantly below the popularity baseline</a:t>
+            </a:r>
+          </a:p>
+          <a:p>
+            <a:pPr marL="285750" indent="-285750">
+              <a:buFont typeface="Arial" panose="020B0604020202020204" pitchFamily="34" charset="0"/>
+              <a:buChar char="•"/>
+            </a:pPr>
+            <a:r>
+              <a:rPr lang="en-US" dirty="0" smtClean="0"/>
+              <a:t>MAP values are poor and does not change significantly across iterations</a:t>
+            </a:r>
+          </a:p>
+          <a:p>
+            <a:pPr marL="285750" indent="-285750">
+              <a:buFont typeface="Arial" panose="020B0604020202020204" pitchFamily="34" charset="0"/>
+              <a:buChar char="•"/>
+            </a:pPr>
+            <a:r>
+              <a:rPr lang="en-US" dirty="0"/>
+              <a:t>Log joint likelihood converges sufficiently within 30 </a:t>
+            </a:r>
+            <a:r>
+              <a:rPr lang="en-US" dirty="0" smtClean="0"/>
+              <a:t>iterations</a:t>
+            </a:r>
+          </a:p>
+          <a:p>
+            <a:pPr marL="285750" indent="-285750">
+              <a:buFont typeface="Arial" panose="020B0604020202020204" pitchFamily="34" charset="0"/>
+              <a:buChar char="•"/>
+            </a:pPr>
+            <a:r>
+              <a:rPr lang="en-US" dirty="0" smtClean="0"/>
+              <a:t>Implicit feedback issue require testing of normalization schemas </a:t>
+            </a:r>
+          </a:p>
+          <a:p>
+            <a:pPr marL="285750" indent="-285750">
+              <a:buFont typeface="Arial" panose="020B0604020202020204" pitchFamily="34" charset="0"/>
+              <a:buChar char="•"/>
+            </a:pPr>
+            <a:endParaRPr lang="en-US" dirty="0"/>
+          </a:p>
+        </p:txBody>
+      </p:sp>
+      <p:sp>
+        <p:nvSpPr>
+          <p:cNvPr id="5" name="TextBox 4"/>
+          <p:cNvSpPr txBox="1"/>
+          <p:nvPr/>
+        </p:nvSpPr>
+        <p:spPr>
+          <a:xfrm>
+            <a:off x="2389377" y="5150425"/>
+            <a:ext cx="3755644" cy="276999"/>
+          </a:xfrm>
+          <a:prstGeom prst="rect">
+            <a:avLst/>
+          </a:prstGeom>
+          <a:noFill/>
+        </p:spPr>
+        <p:txBody>
+          <a:bodyPr wrap="none" rtlCol="0">
+            <a:spAutoFit/>
+          </a:bodyPr>
+          <a:lstStyle/>
+          <a:p>
+            <a:r>
+              <a:rPr lang="en-US" sz="1200" i="1" dirty="0" smtClean="0"/>
+              <a:t>Using rank = 80 and variance = 1.0 with play count values</a:t>
+            </a:r>
+            <a:endParaRPr lang="en-US" sz="1200" i="1" dirty="0"/>
+          </a:p>
+        </p:txBody>
+      </p:sp>
     </p:spTree>
     <p:extLst>
       <p:ext uri="{BB962C8B-B14F-4D97-AF65-F5344CB8AC3E}">
@@ -4449,6 +5004,14 @@
 <file path=ppt/slides/slide7.xml><?xml version="1.0" encoding="utf-8"?>
 <p:sld xmlns:a="http://schemas.openxmlformats.org/drawingml/2006/main" xmlns:r="http://schemas.openxmlformats.org/officeDocument/2006/relationships" xmlns:p="http://schemas.openxmlformats.org/presentationml/2006/main">
   <p:cSld>
+    <p:bg>
+      <p:bgPr>
+        <a:solidFill>
+          <a:schemeClr val="bg1"/>
+        </a:solidFill>
+        <a:effectLst/>
+      </p:bgPr>
+    </p:bg>
     <p:spTree>
       <p:nvGrpSpPr>
         <p:cNvPr id="1" name=""/>
@@ -4480,9 +5043,24 @@
           <a:p>
             <a:r>
               <a:rPr lang="en-US" dirty="0" smtClean="0"/>
-              <a:t>Matrix Factorization</a:t>
-            </a:r>
-            <a:endParaRPr lang="en-US" dirty="0"/>
+              <a:t>Matrix </a:t>
+            </a:r>
+            <a:r>
+              <a:rPr lang="en-US" dirty="0" smtClean="0"/>
+              <a:t>Factorization</a:t>
+            </a:r>
+            <a:br>
+              <a:rPr lang="en-US" dirty="0" smtClean="0"/>
+            </a:br>
+            <a:r>
+              <a:rPr lang="en-US" sz="3200" dirty="0" smtClean="0"/>
+              <a:t>Applying </a:t>
+            </a:r>
+            <a:r>
+              <a:rPr lang="en-US" sz="3200" dirty="0" smtClean="0"/>
+              <a:t>Normalization Schemas</a:t>
+            </a:r>
+            <a:endParaRPr lang="en-US" sz="3200" dirty="0"/>
           </a:p>
         </p:txBody>
       </p:sp>
@@ -4508,14 +5086,152 @@
         </p:blipFill>
         <p:spPr>
           <a:xfrm>
-            <a:off x="839705" y="1417638"/>
-            <a:ext cx="6793356" cy="4351377"/>
+            <a:off x="839705" y="1417639"/>
+            <a:ext cx="6520086" cy="4176338"/>
           </a:xfrm>
           <a:prstGeom prst="rect">
             <a:avLst/>
           </a:prstGeom>
         </p:spPr>
       </p:pic>
+      <mc:AlternateContent xmlns:mc="http://schemas.openxmlformats.org/markup-compatibility/2006">
+        <mc:Choice xmlns:a14="http://schemas.microsoft.com/office/drawing/2010/main" Requires="a14">
+          <p:sp>
+            <p:nvSpPr>
+              <p:cNvPr id="3" name="TextBox 2"/>
+              <p:cNvSpPr txBox="1"/>
+              <p:nvPr/>
+            </p:nvSpPr>
+            <p:spPr>
+              <a:xfrm>
+                <a:off x="817386" y="5600927"/>
+                <a:ext cx="7170167" cy="1477328"/>
+              </a:xfrm>
+              <a:prstGeom prst="rect">
+                <a:avLst/>
+              </a:prstGeom>
+              <a:noFill/>
+            </p:spPr>
+            <p:txBody>
+              <a:bodyPr wrap="square" rtlCol="0">
+                <a:spAutoFit/>
+              </a:bodyPr>
+              <a:lstStyle/>
+              <a:p>
+                <a:pPr marL="285750" indent="-285750">
+                  <a:buFont typeface="Arial" panose="020B0604020202020204" pitchFamily="34" charset="0"/>
+                  <a:buChar char="•"/>
+                </a:pPr>
+                <a:r>
+                  <a:rPr lang="en-US" dirty="0" smtClean="0"/>
+                  <a:t>Rank d has marginal impact</a:t>
+                </a:r>
+              </a:p>
+              <a:p>
+                <a:pPr marL="285750" indent="-285750">
+                  <a:buFont typeface="Arial" panose="020B0604020202020204" pitchFamily="34" charset="0"/>
+                  <a:buChar char="•"/>
+                </a:pPr>
+                <a:r>
+                  <a:rPr lang="en-US" dirty="0" smtClean="0"/>
+                  <a:t>Variance </a:t>
+                </a:r>
+                <a14:m>
+                  <m:oMath xmlns:m="http://schemas.openxmlformats.org/officeDocument/2006/math">
+                    <m:sSup>
+                      <m:sSupPr>
+                        <m:ctrlPr>
+                          <a:rPr lang="en-US" i="1">
+                            <a:latin typeface="Cambria Math" panose="02040503050406030204" pitchFamily="18" charset="0"/>
+                            <a:ea typeface="Cambria Math" panose="02040503050406030204" pitchFamily="18" charset="0"/>
+                          </a:rPr>
+                        </m:ctrlPr>
+                      </m:sSupPr>
+                      <m:e>
+                        <m:r>
+                          <a:rPr lang="en-US" i="1">
+                            <a:latin typeface="Cambria Math" panose="02040503050406030204" pitchFamily="18" charset="0"/>
+                            <a:ea typeface="Cambria Math" panose="02040503050406030204" pitchFamily="18" charset="0"/>
+                          </a:rPr>
+                          <m:t>𝜎</m:t>
+                        </m:r>
+                      </m:e>
+                      <m:sup>
+                        <m:r>
+                          <a:rPr lang="en-US" i="1">
+                            <a:latin typeface="Cambria Math" panose="02040503050406030204" pitchFamily="18" charset="0"/>
+                            <a:ea typeface="Cambria Math" panose="02040503050406030204" pitchFamily="18" charset="0"/>
+                          </a:rPr>
+                          <m:t>2</m:t>
+                        </m:r>
+                      </m:sup>
+                    </m:sSup>
+                  </m:oMath>
+                </a14:m>
+                <a:r>
+                  <a:rPr lang="en-US" dirty="0" smtClean="0"/>
+                  <a:t> has some correlation with the normalization used</a:t>
+                </a:r>
+              </a:p>
+              <a:p>
+                <a:pPr marL="285750" indent="-285750">
+                  <a:buFont typeface="Arial" panose="020B0604020202020204" pitchFamily="34" charset="0"/>
+                  <a:buChar char="•"/>
+                </a:pPr>
+                <a:r>
+                  <a:rPr lang="en-US" dirty="0" smtClean="0"/>
+                  <a:t>Binary scheme provide the best MAP at 0.0143, slightly above popularity baseline</a:t>
+                </a:r>
+              </a:p>
+              <a:p>
+                <a:pPr marL="285750" indent="-285750">
+                  <a:buFont typeface="Arial" panose="020B0604020202020204" pitchFamily="34" charset="0"/>
+                  <a:buChar char="•"/>
+                </a:pPr>
+                <a:endParaRPr lang="en-US" dirty="0"/>
+              </a:p>
+            </p:txBody>
+          </p:sp>
+        </mc:Choice>
+        <mc:Fallback>
+          <p:sp>
+            <p:nvSpPr>
+              <p:cNvPr id="3" name="TextBox 2"/>
+              <p:cNvSpPr txBox="1">
+                <a:spLocks noRot="1" noChangeAspect="1" noMove="1" noResize="1" noEditPoints="1" noAdjustHandles="1" noChangeArrowheads="1" noChangeShapeType="1" noTextEdit="1"/>
+              </p:cNvSpPr>
+              <p:nvPr/>
+            </p:nvSpPr>
+            <p:spPr>
+              <a:xfrm>
+                <a:off x="817386" y="5600927"/>
+                <a:ext cx="7170167" cy="1477328"/>
+              </a:xfrm>
+              <a:prstGeom prst="rect">
+                <a:avLst/>
+              </a:prstGeom>
+              <a:blipFill rotWithShape="0">
+                <a:blip r:embed="rId3"/>
+                <a:stretch>
+                  <a:fillRect l="-510" t="-2479"/>
+                </a:stretch>
+              </a:blipFill>
+            </p:spPr>
+            <p:txBody>
+              <a:bodyPr/>
+              <a:lstStyle/>
+              <a:p>
+                <a:r>
+                  <a:rPr lang="en-US">
+                    <a:noFill/>
+                  </a:rPr>
+                  <a:t> </a:t>
+                </a:r>
+              </a:p>
+            </p:txBody>
+          </p:sp>
+        </mc:Fallback>
+      </mc:AlternateContent>
     </p:spTree>
     <p:extLst>
       <p:ext uri="{BB962C8B-B14F-4D97-AF65-F5344CB8AC3E}">
@@ -4532,6 +5248,14 @@
 <file path=ppt/slides/slide8.xml><?xml version="1.0" encoding="utf-8"?>
 <p:sld xmlns:a="http://schemas.openxmlformats.org/drawingml/2006/main" xmlns:r="http://schemas.openxmlformats.org/officeDocument/2006/relationships" xmlns:p="http://schemas.openxmlformats.org/presentationml/2006/main">
   <p:cSld>
+    <p:bg>
+      <p:bgPr>
+        <a:solidFill>
+          <a:schemeClr val="bg1"/>
+        </a:solidFill>
+        <a:effectLst/>
+      </p:bgPr>
+    </p:bg>
     <p:spTree>
       <p:nvGrpSpPr>
         <p:cNvPr id="1" name=""/>
@@ -4645,6 +5369,14 @@
 <file path=ppt/slides/slide9.xml><?xml version="1.0" encoding="utf-8"?>
 <p:sld xmlns:a="http://schemas.openxmlformats.org/drawingml/2006/main" xmlns:r="http://schemas.openxmlformats.org/officeDocument/2006/relationships" xmlns:p="http://schemas.openxmlformats.org/presentationml/2006/main">
   <p:cSld>
+    <p:bg>
+      <p:bgPr>
+        <a:solidFill>
+          <a:schemeClr val="bg1"/>
+        </a:solidFill>
+        <a:effectLst/>
+      </p:bgPr>
+    </p:bg>
     <p:spTree>
       <p:nvGrpSpPr>
         <p:cNvPr id="1" name=""/>

--- a/presentation/Presentation.pptx
+++ b/presentation/Presentation.pptx
@@ -2892,9 +2892,12 @@
 <p:sldMaster xmlns:a="http://schemas.openxmlformats.org/drawingml/2006/main" xmlns:r="http://schemas.openxmlformats.org/officeDocument/2006/relationships" xmlns:p="http://schemas.openxmlformats.org/presentationml/2006/main">
   <p:cSld>
     <p:bg>
-      <p:bgRef idx="1002">
-        <a:schemeClr val="bg1"/>
-      </p:bgRef>
+      <p:bgPr>
+        <a:solidFill>
+          <a:schemeClr val="bg1"/>
+        </a:solidFill>
+        <a:effectLst/>
+      </p:bgPr>
     </p:bg>
     <p:spTree>
       <p:nvGrpSpPr>
@@ -3815,14 +3818,19 @@
             <p:ph type="title"/>
           </p:nvPr>
         </p:nvSpPr>
-        <p:spPr/>
+        <p:spPr>
+          <a:xfrm>
+            <a:off x="321312" y="274638"/>
+            <a:ext cx="7755888" cy="1143000"/>
+          </a:xfrm>
+        </p:spPr>
         <p:txBody>
           <a:bodyPr/>
           <a:lstStyle/>
           <a:p>
             <a:r>
               <a:rPr lang="en-US" dirty="0" smtClean="0"/>
-              <a:t>Matrix Factorization</a:t>
+              <a:t>Matrix Factorization: Equations</a:t>
             </a:r>
             <a:endParaRPr lang="en-US" dirty="0"/>
           </a:p>
@@ -4116,7 +4124,7 @@
           <a:p>
             <a:r>
               <a:rPr lang="en-US" dirty="0" smtClean="0"/>
-              <a:t>Subset the data to users with &gt; 27 songs played and songs with &gt; 22 users listening to them -&gt; 8,130 users and 11,861 songs (10% of orig.) </a:t>
+              <a:t>We subset the data to users with &gt; 27 songs played and songs with &gt; 22 users listening to them -&gt; 8,130 users and 11,861 songs (10% of orig.) </a:t>
             </a:r>
           </a:p>
           <a:p>
@@ -4246,27 +4254,31 @@
           <a:p>
             <a:r>
               <a:rPr lang="en-US" dirty="0" smtClean="0"/>
-              <a:t>MAP@500 takes into account the first 500 recommendations given to each user and calculates the number of true positives against the total number of recommended songs at each position</a:t>
+              <a:t>MAP@500 takes into account the first 500 recommendations given to each user and calculates number of true positives against total number of recommended songs at each position, averaged together. It then takes the average across all users</a:t>
             </a:r>
           </a:p>
           <a:p>
             <a:r>
               <a:rPr lang="en-US" dirty="0" smtClean="0"/>
-              <a:t>We used two baseline methods:</a:t>
+              <a:t>We used two baseline methods, recommending:</a:t>
             </a:r>
           </a:p>
           <a:p>
             <a:pPr lvl="1"/>
             <a:r>
               <a:rPr lang="en-US" dirty="0" smtClean="0"/>
-              <a:t>Recommend the 500 most popular songs  (MAP = 0.0138)</a:t>
+              <a:t>the 500 most popular songs  (MAP = 0.0138)</a:t>
             </a:r>
           </a:p>
           <a:p>
             <a:pPr lvl="1"/>
             <a:r>
+              <a:rPr lang="en-US" dirty="0"/>
+              <a:t>t</a:t>
+            </a:r>
+            <a:r>
               <a:rPr lang="en-US" dirty="0" smtClean="0"/>
-              <a:t>Most popular songs from the artists that the user had already listened to (MAP = 0.0448)</a:t>
+              <a:t>he most popular songs from the artists that the user had already listened to (MAP = 0.0448)</a:t>
             </a:r>
           </a:p>
         </p:txBody>
@@ -4546,6 +4558,104 @@
           <a:chExt cx="0" cy="0"/>
         </a:xfrm>
       </p:grpSpPr>
+      <p:sp>
+        <p:nvSpPr>
+          <p:cNvPr id="9" name="Content Placeholder 2"/>
+          <p:cNvSpPr>
+            <a:spLocks noGrp="1"/>
+          </p:cNvSpPr>
+          <p:nvPr>
+            <p:ph idx="1"/>
+          </p:nvPr>
+        </p:nvSpPr>
+        <p:spPr>
+          <a:xfrm>
+            <a:off x="321312" y="1600200"/>
+            <a:ext cx="7755888" cy="4800600"/>
+          </a:xfrm>
+        </p:spPr>
+        <p:txBody>
+          <a:bodyPr/>
+          <a:lstStyle/>
+          <a:p>
+            <a:r>
+              <a:rPr lang="en-US" dirty="0" smtClean="0"/>
+              <a:t>Calculated cosine similarity of every pair of users in the subset</a:t>
+            </a:r>
+          </a:p>
+          <a:p>
+            <a:endParaRPr lang="en-US" dirty="0"/>
+          </a:p>
+          <a:p>
+            <a:endParaRPr lang="en-US" dirty="0" smtClean="0"/>
+          </a:p>
+          <a:p>
+            <a:endParaRPr lang="en-US" dirty="0"/>
+          </a:p>
+          <a:p>
+            <a:endParaRPr lang="en-US" dirty="0" smtClean="0"/>
+          </a:p>
+          <a:p>
+            <a:r>
+              <a:rPr lang="en-US" dirty="0" smtClean="0"/>
+              <a:t>Determined the weight on each song, </a:t>
+            </a:r>
+            <a:r>
+              <a:rPr lang="en-US" i="1" dirty="0" err="1" smtClean="0"/>
+              <a:t>i</a:t>
+            </a:r>
+            <a:r>
+              <a:rPr lang="en-US" dirty="0" smtClean="0"/>
+              <a:t>, for a particular user, </a:t>
+            </a:r>
+            <a:r>
+              <a:rPr lang="en-US" i="1" dirty="0" smtClean="0"/>
+              <a:t>u</a:t>
+            </a:r>
+            <a:r>
+              <a:rPr lang="en-US" dirty="0" smtClean="0"/>
+              <a:t>, by summing the similarity scores between user </a:t>
+            </a:r>
+            <a:r>
+              <a:rPr lang="en-US" i="1" dirty="0" smtClean="0"/>
+              <a:t>u</a:t>
+            </a:r>
+            <a:r>
+              <a:rPr lang="en-US" dirty="0" smtClean="0"/>
+              <a:t> and all users </a:t>
+            </a:r>
+            <a:r>
+              <a:rPr lang="en-US" i="1" dirty="0" smtClean="0"/>
+              <a:t>v</a:t>
+            </a:r>
+            <a:r>
+              <a:rPr lang="en-US" dirty="0" smtClean="0"/>
+              <a:t> who listened to song </a:t>
+            </a:r>
+            <a:r>
+              <a:rPr lang="en-US" i="1" dirty="0" err="1" smtClean="0"/>
+              <a:t>i</a:t>
+            </a:r>
+            <a:endParaRPr lang="en-US" i="1" dirty="0"/>
+          </a:p>
+          <a:p>
+            <a:endParaRPr lang="en-US" i="1" dirty="0" smtClean="0"/>
+          </a:p>
+          <a:p>
+            <a:endParaRPr lang="en-US" i="1" dirty="0"/>
+          </a:p>
+          <a:p>
+            <a:endParaRPr lang="en-US" i="1" dirty="0" smtClean="0"/>
+          </a:p>
+          <a:p>
+            <a:r>
+              <a:rPr lang="en-US" dirty="0" smtClean="0"/>
+              <a:t>Recommend songs with highest weights in descending order</a:t>
+            </a:r>
+            <a:endParaRPr lang="en-US" dirty="0"/>
+          </a:p>
+        </p:txBody>
+      </p:sp>
       <p:pic>
         <p:nvPicPr>
           <p:cNvPr id="6" name="Picture 5" descr="itembasedeq2.png"/>
@@ -4568,7 +4678,7 @@
         </p:blipFill>
         <p:spPr>
           <a:xfrm>
-            <a:off x="2421934" y="3849243"/>
+            <a:off x="2421934" y="4966070"/>
             <a:ext cx="3101579" cy="855608"/>
           </a:xfrm>
           <a:prstGeom prst="rect">
@@ -4598,7 +4708,7 @@
         </p:blipFill>
         <p:spPr>
           <a:xfrm>
-            <a:off x="526206" y="1863608"/>
+            <a:off x="526206" y="2322578"/>
             <a:ext cx="7384794" cy="1028401"/>
           </a:xfrm>
           <a:prstGeom prst="rect">
@@ -4661,6 +4771,110 @@
       </p:grpSpPr>
       <p:sp>
         <p:nvSpPr>
+          <p:cNvPr id="12" name="Content Placeholder 2"/>
+          <p:cNvSpPr>
+            <a:spLocks noGrp="1"/>
+          </p:cNvSpPr>
+          <p:nvPr>
+            <p:ph idx="1"/>
+          </p:nvPr>
+        </p:nvSpPr>
+        <p:spPr>
+          <a:xfrm>
+            <a:off x="336612" y="1600199"/>
+            <a:ext cx="7740588" cy="5070381"/>
+          </a:xfrm>
+        </p:spPr>
+        <p:txBody>
+          <a:bodyPr>
+            <a:normAutofit/>
+          </a:bodyPr>
+          <a:lstStyle/>
+          <a:p>
+            <a:r>
+              <a:rPr lang="en-US" dirty="0" smtClean="0"/>
+              <a:t>Calculated cosine similarity of every pair of songs in the subset</a:t>
+            </a:r>
+          </a:p>
+          <a:p>
+            <a:endParaRPr lang="en-US" dirty="0"/>
+          </a:p>
+          <a:p>
+            <a:endParaRPr lang="en-US" dirty="0" smtClean="0"/>
+          </a:p>
+          <a:p>
+            <a:endParaRPr lang="en-US" dirty="0"/>
+          </a:p>
+          <a:p>
+            <a:endParaRPr lang="en-US" dirty="0" smtClean="0"/>
+          </a:p>
+          <a:p>
+            <a:r>
+              <a:rPr lang="en-US" dirty="0" smtClean="0"/>
+              <a:t>For each song, </a:t>
+            </a:r>
+            <a:r>
+              <a:rPr lang="en-US" i="1" dirty="0" smtClean="0"/>
+              <a:t>b</a:t>
+            </a:r>
+            <a:r>
+              <a:rPr lang="en-US" dirty="0" smtClean="0"/>
+              <a:t>, that was found to be similar to one of the songs, </a:t>
+            </a:r>
+            <a:r>
+              <a:rPr lang="en-US" i="1" dirty="0" smtClean="0"/>
+              <a:t>a</a:t>
+            </a:r>
+            <a:r>
+              <a:rPr lang="en-US" dirty="0" smtClean="0"/>
+              <a:t>, that a user listened to, we calculated the weight for </a:t>
+            </a:r>
+            <a:r>
+              <a:rPr lang="en-US" smtClean="0"/>
+              <a:t>that song: </a:t>
+            </a:r>
+            <a:r>
+              <a:rPr lang="en-US" dirty="0"/>
+              <a:t>s</a:t>
+            </a:r>
+            <a:r>
+              <a:rPr lang="en-US" smtClean="0"/>
+              <a:t>ince </a:t>
+            </a:r>
+            <a:r>
+              <a:rPr lang="en-US" dirty="0" smtClean="0"/>
+              <a:t>the same song will likely come up multiple times for a different song, </a:t>
+            </a:r>
+            <a:r>
+              <a:rPr lang="en-US" i="1" dirty="0" smtClean="0"/>
+              <a:t>a</a:t>
+            </a:r>
+            <a:r>
+              <a:rPr lang="en-US" dirty="0" smtClean="0"/>
+              <a:t>, we then summed similarity scores across all songs, </a:t>
+            </a:r>
+            <a:r>
+              <a:rPr lang="en-US" i="1" dirty="0" smtClean="0"/>
+              <a:t>a</a:t>
+            </a:r>
+          </a:p>
+          <a:p>
+            <a:endParaRPr lang="en-US" i="1" dirty="0"/>
+          </a:p>
+          <a:p>
+            <a:endParaRPr lang="en-US" i="1" dirty="0" smtClean="0"/>
+          </a:p>
+          <a:p>
+            <a:r>
+              <a:rPr lang="en-US" dirty="0" smtClean="0"/>
+              <a:t>Recommend songs with highest weights in descending order</a:t>
+            </a:r>
+            <a:endParaRPr lang="en-US" dirty="0"/>
+          </a:p>
+        </p:txBody>
+      </p:sp>
+      <p:sp>
+        <p:nvSpPr>
           <p:cNvPr id="2" name="Title 1"/>
           <p:cNvSpPr>
             <a:spLocks noGrp="1"/>
@@ -4704,7 +4918,7 @@
         </p:blipFill>
         <p:spPr>
           <a:xfrm>
-            <a:off x="532172" y="1835721"/>
+            <a:off x="532172" y="2309990"/>
             <a:ext cx="7360302" cy="1056288"/>
           </a:xfrm>
           <a:prstGeom prst="rect">
@@ -4734,7 +4948,7 @@
         </p:blipFill>
         <p:spPr>
           <a:xfrm>
-            <a:off x="2396223" y="3837057"/>
+            <a:off x="2396223" y="5321060"/>
             <a:ext cx="3111980" cy="870484"/>
           </a:xfrm>
           <a:prstGeom prst="rect">
